--- a/Курсовая работа.pptx
+++ b/Курсовая работа.pptx
@@ -10,9 +10,11 @@
     <p:sldId id="257" r:id="rId4"/>
     <p:sldId id="259" r:id="rId5"/>
     <p:sldId id="260" r:id="rId6"/>
-    <p:sldId id="261" r:id="rId7"/>
-    <p:sldId id="262" r:id="rId8"/>
-    <p:sldId id="263" r:id="rId9"/>
+    <p:sldId id="264" r:id="rId7"/>
+    <p:sldId id="265" r:id="rId8"/>
+    <p:sldId id="261" r:id="rId9"/>
+    <p:sldId id="262" r:id="rId10"/>
+    <p:sldId id="263" r:id="rId11"/>
   </p:sldIdLst>
   <p:sldSz cx="12192000" cy="6858000"/>
   <p:notesSz cx="6858000" cy="9144000"/>
@@ -111,6 +113,11 @@
       </a:defRPr>
     </a:lvl9pPr>
   </p:defaultTextStyle>
+  <p:extLst>
+    <p:ext uri="{EFAFB233-063F-42B5-8137-9DF3F51BA10A}">
+      <p15:sldGuideLst xmlns:p15="http://schemas.microsoft.com/office/powerpoint/2012/main"/>
+    </p:ext>
+  </p:extLst>
 </p:presentation>
 </file>
 
@@ -306,7 +313,7 @@
             <a:fld id="{B61BEF0D-F0BB-DE4B-95CE-6DB70DBA9567}" type="datetimeFigureOut">
               <a:rPr lang="en-US" dirty="0"/>
               <a:pPr/>
-              <a:t>7/3/2020</a:t>
+              <a:t>7/17/2020</a:t>
             </a:fld>
             <a:endParaRPr lang="en-US" dirty="0"/>
           </a:p>
@@ -739,7 +746,7 @@
             <a:fld id="{B61BEF0D-F0BB-DE4B-95CE-6DB70DBA9567}" type="datetimeFigureOut">
               <a:rPr lang="en-US" dirty="0"/>
               <a:pPr/>
-              <a:t>7/3/2020</a:t>
+              <a:t>7/17/2020</a:t>
             </a:fld>
             <a:endParaRPr lang="en-US" dirty="0"/>
           </a:p>
@@ -986,7 +993,7 @@
             <a:fld id="{B61BEF0D-F0BB-DE4B-95CE-6DB70DBA9567}" type="datetimeFigureOut">
               <a:rPr lang="en-US" dirty="0"/>
               <a:pPr/>
-              <a:t>7/3/2020</a:t>
+              <a:t>7/17/2020</a:t>
             </a:fld>
             <a:endParaRPr lang="en-US" dirty="0"/>
           </a:p>
@@ -1291,7 +1298,7 @@
             <a:fld id="{B61BEF0D-F0BB-DE4B-95CE-6DB70DBA9567}" type="datetimeFigureOut">
               <a:rPr lang="en-US" dirty="0"/>
               <a:pPr/>
-              <a:t>7/3/2020</a:t>
+              <a:t>7/17/2020</a:t>
             </a:fld>
             <a:endParaRPr lang="en-US" dirty="0"/>
           </a:p>
@@ -1606,7 +1613,7 @@
             <a:fld id="{B61BEF0D-F0BB-DE4B-95CE-6DB70DBA9567}" type="datetimeFigureOut">
               <a:rPr lang="en-US" dirty="0"/>
               <a:pPr/>
-              <a:t>7/3/2020</a:t>
+              <a:t>7/17/2020</a:t>
             </a:fld>
             <a:endParaRPr lang="en-US" dirty="0"/>
           </a:p>
@@ -1905,7 +1912,7 @@
             <a:fld id="{B61BEF0D-F0BB-DE4B-95CE-6DB70DBA9567}" type="datetimeFigureOut">
               <a:rPr lang="en-US" dirty="0"/>
               <a:pPr/>
-              <a:t>7/3/2020</a:t>
+              <a:t>7/17/2020</a:t>
             </a:fld>
             <a:endParaRPr lang="en-US" dirty="0"/>
           </a:p>
@@ -2269,7 +2276,7 @@
             <a:fld id="{B61BEF0D-F0BB-DE4B-95CE-6DB70DBA9567}" type="datetimeFigureOut">
               <a:rPr lang="en-US" dirty="0"/>
               <a:pPr/>
-              <a:t>7/3/2020</a:t>
+              <a:t>7/17/2020</a:t>
             </a:fld>
             <a:endParaRPr lang="en-US" dirty="0"/>
           </a:p>
@@ -2440,7 +2447,7 @@
             <a:fld id="{B61BEF0D-F0BB-DE4B-95CE-6DB70DBA9567}" type="datetimeFigureOut">
               <a:rPr lang="en-US" dirty="0"/>
               <a:pPr/>
-              <a:t>7/3/2020</a:t>
+              <a:t>7/17/2020</a:t>
             </a:fld>
             <a:endParaRPr lang="en-US" dirty="0"/>
           </a:p>
@@ -2617,7 +2624,7 @@
             <a:fld id="{B61BEF0D-F0BB-DE4B-95CE-6DB70DBA9567}" type="datetimeFigureOut">
               <a:rPr lang="en-US" dirty="0"/>
               <a:pPr/>
-              <a:t>7/3/2020</a:t>
+              <a:t>7/17/2020</a:t>
             </a:fld>
             <a:endParaRPr lang="en-US" dirty="0"/>
           </a:p>
@@ -2784,7 +2791,7 @@
             <a:fld id="{B61BEF0D-F0BB-DE4B-95CE-6DB70DBA9567}" type="datetimeFigureOut">
               <a:rPr lang="en-US" dirty="0"/>
               <a:pPr/>
-              <a:t>7/3/2020</a:t>
+              <a:t>7/17/2020</a:t>
             </a:fld>
             <a:endParaRPr lang="en-US" dirty="0"/>
           </a:p>
@@ -3031,7 +3038,7 @@
             <a:fld id="{B61BEF0D-F0BB-DE4B-95CE-6DB70DBA9567}" type="datetimeFigureOut">
               <a:rPr lang="en-US" dirty="0"/>
               <a:pPr/>
-              <a:t>7/3/2020</a:t>
+              <a:t>7/17/2020</a:t>
             </a:fld>
             <a:endParaRPr lang="en-US" dirty="0"/>
           </a:p>
@@ -3264,7 +3271,7 @@
             <a:fld id="{B61BEF0D-F0BB-DE4B-95CE-6DB70DBA9567}" type="datetimeFigureOut">
               <a:rPr lang="en-US" dirty="0"/>
               <a:pPr/>
-              <a:t>7/3/2020</a:t>
+              <a:t>7/17/2020</a:t>
             </a:fld>
             <a:endParaRPr lang="en-US" dirty="0"/>
           </a:p>
@@ -3643,7 +3650,7 @@
             <a:fld id="{B61BEF0D-F0BB-DE4B-95CE-6DB70DBA9567}" type="datetimeFigureOut">
               <a:rPr lang="en-US" dirty="0"/>
               <a:pPr/>
-              <a:t>7/3/2020</a:t>
+              <a:t>7/17/2020</a:t>
             </a:fld>
             <a:endParaRPr lang="en-US" dirty="0"/>
           </a:p>
@@ -3758,7 +3765,7 @@
             <a:fld id="{B61BEF0D-F0BB-DE4B-95CE-6DB70DBA9567}" type="datetimeFigureOut">
               <a:rPr lang="en-US" dirty="0"/>
               <a:pPr/>
-              <a:t>7/3/2020</a:t>
+              <a:t>7/17/2020</a:t>
             </a:fld>
             <a:endParaRPr lang="en-US" dirty="0"/>
           </a:p>
@@ -3850,7 +3857,7 @@
             <a:fld id="{B61BEF0D-F0BB-DE4B-95CE-6DB70DBA9567}" type="datetimeFigureOut">
               <a:rPr lang="en-US" dirty="0"/>
               <a:pPr/>
-              <a:t>7/3/2020</a:t>
+              <a:t>7/17/2020</a:t>
             </a:fld>
             <a:endParaRPr lang="en-US" dirty="0"/>
           </a:p>
@@ -4102,7 +4109,7 @@
             <a:fld id="{B61BEF0D-F0BB-DE4B-95CE-6DB70DBA9567}" type="datetimeFigureOut">
               <a:rPr lang="en-US" dirty="0"/>
               <a:pPr/>
-              <a:t>7/3/2020</a:t>
+              <a:t>7/17/2020</a:t>
             </a:fld>
             <a:endParaRPr lang="en-US" dirty="0"/>
           </a:p>
@@ -4382,7 +4389,7 @@
             <a:fld id="{B61BEF0D-F0BB-DE4B-95CE-6DB70DBA9567}" type="datetimeFigureOut">
               <a:rPr lang="en-US" dirty="0"/>
               <a:pPr/>
-              <a:t>7/3/2020</a:t>
+              <a:t>7/17/2020</a:t>
             </a:fld>
             <a:endParaRPr lang="en-US" dirty="0"/>
           </a:p>
@@ -4785,7 +4792,7 @@
             <a:fld id="{B61BEF0D-F0BB-DE4B-95CE-6DB70DBA9567}" type="datetimeFigureOut">
               <a:rPr lang="en-US" dirty="0"/>
               <a:pPr/>
-              <a:t>7/3/2020</a:t>
+              <a:t>7/17/2020</a:t>
             </a:fld>
             <a:endParaRPr lang="en-US" dirty="0"/>
           </a:p>
@@ -5371,8 +5378,16 @@
           <a:lstStyle/>
           <a:p>
             <a:r>
+              <a:rPr lang="ru-RU" dirty="0" err="1" smtClean="0"/>
+              <a:t>Десктопное</a:t>
+            </a:r>
+            <a:r>
               <a:rPr lang="ru-RU" dirty="0" smtClean="0"/>
-              <a:t>Клиент-серверное приложение</a:t>
+              <a:t> </a:t>
+            </a:r>
+            <a:r>
+              <a:rPr lang="ru-RU" dirty="0" smtClean="0"/>
+              <a:t>приложение</a:t>
             </a:r>
           </a:p>
         </p:txBody>
@@ -5445,6 +5460,64 @@
     <p:extLst>
       <p:ext uri="{BB962C8B-B14F-4D97-AF65-F5344CB8AC3E}">
         <p14:creationId xmlns:p14="http://schemas.microsoft.com/office/powerpoint/2010/main" val="3439967869"/>
+      </p:ext>
+    </p:extLst>
+  </p:cSld>
+  <p:clrMapOvr>
+    <a:masterClrMapping/>
+  </p:clrMapOvr>
+</p:sld>
+</file>
+
+<file path=ppt/slides/slide10.xml><?xml version="1.0" encoding="utf-8"?>
+<p:sld xmlns:a="http://schemas.openxmlformats.org/drawingml/2006/main" xmlns:r="http://schemas.openxmlformats.org/officeDocument/2006/relationships" xmlns:p="http://schemas.openxmlformats.org/presentationml/2006/main">
+  <p:cSld>
+    <p:spTree>
+      <p:nvGrpSpPr>
+        <p:cNvPr id="1" name=""/>
+        <p:cNvGrpSpPr/>
+        <p:nvPr/>
+      </p:nvGrpSpPr>
+      <p:grpSpPr>
+        <a:xfrm>
+          <a:off x="0" y="0"/>
+          <a:ext cx="0" cy="0"/>
+          <a:chOff x="0" y="0"/>
+          <a:chExt cx="0" cy="0"/>
+        </a:xfrm>
+      </p:grpSpPr>
+      <p:sp>
+        <p:nvSpPr>
+          <p:cNvPr id="2" name="Заголовок 1"/>
+          <p:cNvSpPr>
+            <a:spLocks noGrp="1"/>
+          </p:cNvSpPr>
+          <p:nvPr>
+            <p:ph type="title"/>
+          </p:nvPr>
+        </p:nvSpPr>
+        <p:spPr>
+          <a:xfrm>
+            <a:off x="2693987" y="2629957"/>
+            <a:ext cx="8534400" cy="1507067"/>
+          </a:xfrm>
+        </p:spPr>
+        <p:txBody>
+          <a:bodyPr/>
+          <a:lstStyle/>
+          <a:p>
+            <a:r>
+              <a:rPr lang="ru-RU" dirty="0" smtClean="0"/>
+              <a:t>Спасибо за внимание!</a:t>
+            </a:r>
+            <a:endParaRPr lang="ru-RU" dirty="0"/>
+          </a:p>
+        </p:txBody>
+      </p:sp>
+    </p:spTree>
+    <p:extLst>
+      <p:ext uri="{BB962C8B-B14F-4D97-AF65-F5344CB8AC3E}">
+        <p14:creationId xmlns:p14="http://schemas.microsoft.com/office/powerpoint/2010/main" val="2084163593"/>
       </p:ext>
     </p:extLst>
   </p:cSld>
@@ -5593,17 +5666,11 @@
           <a:p>
             <a:r>
               <a:rPr lang="ru-RU" dirty="0" smtClean="0"/>
-              <a:t>Для обмена данных между сервером и клиентом, используется библиотека </a:t>
-            </a:r>
-            <a:r>
-              <a:rPr lang="en-US" dirty="0" smtClean="0"/>
-              <a:t>NewtonsoftJSON</a:t>
-            </a:r>
-          </a:p>
-          <a:p>
+              <a:t>Для </a:t>
+            </a:r>
             <a:r>
               <a:rPr lang="ru-RU" dirty="0" smtClean="0"/>
-              <a:t>Для хранения версий был использован онлайн репозиторий </a:t>
+              <a:t>хранения версий был использован онлайн репозиторий </a:t>
             </a:r>
             <a:r>
               <a:rPr lang="en-US" dirty="0" smtClean="0"/>
@@ -5676,7 +5743,7 @@
       </p:sp>
       <p:pic>
         <p:nvPicPr>
-          <p:cNvPr id="4" name="Объект 3"/>
+          <p:cNvPr id="5" name="Объект 4"/>
           <p:cNvPicPr>
             <a:picLocks noGrp="1" noChangeAspect="1"/>
           </p:cNvPicPr>
@@ -5698,8 +5765,8 @@
         </p:blipFill>
         <p:spPr>
           <a:xfrm>
-            <a:off x="1336674" y="685800"/>
-            <a:ext cx="8980187" cy="4244340"/>
+            <a:off x="1701291" y="453044"/>
+            <a:ext cx="8169783" cy="4327700"/>
           </a:xfrm>
         </p:spPr>
       </p:pic>
@@ -5750,7 +5817,7 @@
           <a:p>
             <a:r>
               <a:rPr lang="ru-RU" dirty="0" smtClean="0"/>
-              <a:t>Функционал клиента</a:t>
+              <a:t>Окно авторизации</a:t>
             </a:r>
             <a:endParaRPr lang="ru-RU" dirty="0"/>
           </a:p>
@@ -5793,8 +5860,8 @@
         </p:nvSpPr>
         <p:spPr>
           <a:xfrm>
-            <a:off x="3415909" y="2150953"/>
-            <a:ext cx="7758855" cy="646331"/>
+            <a:off x="3365422" y="2150953"/>
+            <a:ext cx="7859844" cy="646331"/>
           </a:xfrm>
           <a:prstGeom prst="rect">
             <a:avLst/>
@@ -5823,8 +5890,13 @@
             <a:pPr algn="ctr"/>
             <a:r>
               <a:rPr lang="ru-RU" dirty="0" smtClean="0"/>
-              <a:t>Нужно выбрать свою роль (Работник, начальник цеха, директор),</a:t>
-            </a:r>
+              <a:t>Нужно выбрать свою роль </a:t>
+            </a:r>
+            <a:r>
+              <a:rPr lang="ru-RU" dirty="0" smtClean="0"/>
+              <a:t>(Директор, администратор, работник),</a:t>
+            </a:r>
+            <a:endParaRPr lang="ru-RU" dirty="0" smtClean="0"/>
           </a:p>
           <a:p>
             <a:pPr algn="ctr"/>
@@ -5882,15 +5954,139 @@
           <a:p>
             <a:r>
               <a:rPr lang="ru-RU" dirty="0" smtClean="0"/>
-              <a:t>Функционал сервера</a:t>
+              <a:t>Окно администратора</a:t>
             </a:r>
             <a:endParaRPr lang="ru-RU" dirty="0"/>
+          </a:p>
+        </p:txBody>
+      </p:sp>
+      <p:sp>
+        <p:nvSpPr>
+          <p:cNvPr id="5" name="Прямоугольник 4"/>
+          <p:cNvSpPr/>
+          <p:nvPr/>
+        </p:nvSpPr>
+        <p:spPr>
+          <a:xfrm>
+            <a:off x="7249490" y="513554"/>
+            <a:ext cx="4897495" cy="1200329"/>
+          </a:xfrm>
+          <a:prstGeom prst="rect">
+            <a:avLst/>
+          </a:prstGeom>
+        </p:spPr>
+        <p:txBody>
+          <a:bodyPr wrap="none">
+            <a:spAutoFit/>
+          </a:bodyPr>
+          <a:lstStyle/>
+          <a:p>
+            <a:r>
+              <a:rPr lang="ru-RU" dirty="0" smtClean="0">
+                <a:solidFill>
+                  <a:schemeClr val="bg2">
+                    <a:lumMod val="75000"/>
+                  </a:schemeClr>
+                </a:solidFill>
+              </a:rPr>
+              <a:t>Нажав на кнопку с названием </a:t>
+            </a:r>
+            <a:r>
+              <a:rPr lang="ru-RU" dirty="0" smtClean="0">
+                <a:solidFill>
+                  <a:schemeClr val="bg2">
+                    <a:lumMod val="75000"/>
+                  </a:schemeClr>
+                </a:solidFill>
+              </a:rPr>
+              <a:t>таблицы</a:t>
+            </a:r>
+            <a:endParaRPr lang="ru-RU" dirty="0" smtClean="0">
+              <a:solidFill>
+                <a:schemeClr val="bg2">
+                  <a:lumMod val="75000"/>
+                </a:schemeClr>
+              </a:solidFill>
+            </a:endParaRPr>
+          </a:p>
+          <a:p>
+            <a:r>
+              <a:rPr lang="ru-RU" dirty="0" smtClean="0">
+                <a:solidFill>
+                  <a:schemeClr val="bg2">
+                    <a:lumMod val="75000"/>
+                  </a:schemeClr>
+                </a:solidFill>
+              </a:rPr>
+              <a:t>На панели управления, откроется окно,</a:t>
+            </a:r>
+          </a:p>
+          <a:p>
+            <a:r>
+              <a:rPr lang="ru-RU" dirty="0" smtClean="0">
+                <a:solidFill>
+                  <a:schemeClr val="bg2">
+                    <a:lumMod val="75000"/>
+                  </a:schemeClr>
+                </a:solidFill>
+              </a:rPr>
+              <a:t>где </a:t>
+            </a:r>
+            <a:r>
+              <a:rPr lang="ru-RU" dirty="0">
+                <a:solidFill>
+                  <a:schemeClr val="bg2">
+                    <a:lumMod val="75000"/>
+                  </a:schemeClr>
+                </a:solidFill>
+              </a:rPr>
+              <a:t>В</a:t>
+            </a:r>
+            <a:r>
+              <a:rPr lang="ru-RU" dirty="0" smtClean="0">
+                <a:solidFill>
+                  <a:schemeClr val="bg2">
+                    <a:lumMod val="75000"/>
+                  </a:schemeClr>
+                </a:solidFill>
+              </a:rPr>
+              <a:t>ы сможете увидеть</a:t>
+            </a:r>
+          </a:p>
+          <a:p>
+            <a:r>
+              <a:rPr lang="ru-RU" dirty="0" smtClean="0">
+                <a:solidFill>
+                  <a:schemeClr val="bg2">
+                    <a:lumMod val="75000"/>
+                  </a:schemeClr>
+                </a:solidFill>
+              </a:rPr>
+              <a:t>Всю нужную информацию</a:t>
+            </a:r>
+            <a:r>
+              <a:rPr lang="en-US" dirty="0" smtClean="0">
+                <a:solidFill>
+                  <a:schemeClr val="bg2">
+                    <a:lumMod val="75000"/>
+                  </a:schemeClr>
+                </a:solidFill>
+              </a:rPr>
+              <a:t>:</a:t>
+            </a:r>
+            <a:endParaRPr lang="ru-RU" dirty="0" smtClean="0">
+              <a:solidFill>
+                <a:schemeClr val="bg2">
+                  <a:lumMod val="75000"/>
+                </a:schemeClr>
+              </a:solidFill>
+            </a:endParaRPr>
           </a:p>
         </p:txBody>
       </p:sp>
       <p:pic>
         <p:nvPicPr>
-          <p:cNvPr id="4" name="Объект 3"/>
+          <p:cNvPr id="6" name="Объект 5"/>
           <p:cNvPicPr>
             <a:picLocks noGrp="1" noChangeAspect="1"/>
           </p:cNvPicPr>
@@ -5912,279 +6108,14 @@
         </p:blipFill>
         <p:spPr>
           <a:xfrm>
-            <a:off x="684212" y="628650"/>
-            <a:ext cx="6437449" cy="3614738"/>
+            <a:off x="684212" y="647913"/>
+            <a:ext cx="6416307" cy="3614738"/>
           </a:xfrm>
         </p:spPr>
       </p:pic>
-      <p:sp>
-        <p:nvSpPr>
-          <p:cNvPr id="5" name="Прямоугольник 4"/>
-          <p:cNvSpPr/>
-          <p:nvPr/>
-        </p:nvSpPr>
-        <p:spPr>
-          <a:xfrm>
-            <a:off x="7249490" y="628650"/>
-            <a:ext cx="4897495" cy="1200329"/>
-          </a:xfrm>
-          <a:prstGeom prst="rect">
-            <a:avLst/>
-          </a:prstGeom>
-        </p:spPr>
-        <p:txBody>
-          <a:bodyPr wrap="none">
-            <a:spAutoFit/>
-          </a:bodyPr>
-          <a:lstStyle/>
-          <a:p>
-            <a:r>
-              <a:rPr lang="ru-RU" dirty="0" smtClean="0">
-                <a:solidFill>
-                  <a:schemeClr val="bg2">
-                    <a:lumMod val="75000"/>
-                  </a:schemeClr>
-                </a:solidFill>
-              </a:rPr>
-              <a:t>Нажав на кнопку с названием </a:t>
-            </a:r>
-            <a:r>
-              <a:rPr lang="ru-RU" dirty="0" err="1" smtClean="0">
-                <a:solidFill>
-                  <a:schemeClr val="bg2">
-                    <a:lumMod val="75000"/>
-                  </a:schemeClr>
-                </a:solidFill>
-              </a:rPr>
-              <a:t>табилицы</a:t>
-            </a:r>
-            <a:endParaRPr lang="ru-RU" dirty="0" smtClean="0">
-              <a:solidFill>
-                <a:schemeClr val="bg2">
-                  <a:lumMod val="75000"/>
-                </a:schemeClr>
-              </a:solidFill>
-            </a:endParaRPr>
-          </a:p>
-          <a:p>
-            <a:r>
-              <a:rPr lang="ru-RU" dirty="0" smtClean="0">
-                <a:solidFill>
-                  <a:schemeClr val="bg2">
-                    <a:lumMod val="75000"/>
-                  </a:schemeClr>
-                </a:solidFill>
-              </a:rPr>
-              <a:t>На панели управления, откроется окно,</a:t>
-            </a:r>
-          </a:p>
-          <a:p>
-            <a:r>
-              <a:rPr lang="ru-RU" dirty="0" smtClean="0">
-                <a:solidFill>
-                  <a:schemeClr val="bg2">
-                    <a:lumMod val="75000"/>
-                  </a:schemeClr>
-                </a:solidFill>
-              </a:rPr>
-              <a:t>где </a:t>
-            </a:r>
-            <a:r>
-              <a:rPr lang="ru-RU" dirty="0">
-                <a:solidFill>
-                  <a:schemeClr val="bg2">
-                    <a:lumMod val="75000"/>
-                  </a:schemeClr>
-                </a:solidFill>
-              </a:rPr>
-              <a:t>В</a:t>
-            </a:r>
-            <a:r>
-              <a:rPr lang="ru-RU" dirty="0" smtClean="0">
-                <a:solidFill>
-                  <a:schemeClr val="bg2">
-                    <a:lumMod val="75000"/>
-                  </a:schemeClr>
-                </a:solidFill>
-              </a:rPr>
-              <a:t>ы сможете увидеть</a:t>
-            </a:r>
-          </a:p>
-          <a:p>
-            <a:r>
-              <a:rPr lang="ru-RU" dirty="0" smtClean="0">
-                <a:solidFill>
-                  <a:schemeClr val="bg2">
-                    <a:lumMod val="75000"/>
-                  </a:schemeClr>
-                </a:solidFill>
-              </a:rPr>
-              <a:t>Всю нужную информацию</a:t>
-            </a:r>
-            <a:r>
-              <a:rPr lang="en-US" dirty="0" smtClean="0">
-                <a:solidFill>
-                  <a:schemeClr val="bg2">
-                    <a:lumMod val="75000"/>
-                  </a:schemeClr>
-                </a:solidFill>
-              </a:rPr>
-              <a:t>:</a:t>
-            </a:r>
-            <a:endParaRPr lang="ru-RU" dirty="0" smtClean="0">
-              <a:solidFill>
-                <a:schemeClr val="bg2">
-                  <a:lumMod val="75000"/>
-                </a:schemeClr>
-              </a:solidFill>
-            </a:endParaRPr>
-          </a:p>
-        </p:txBody>
-      </p:sp>
-      <p:sp>
-        <p:nvSpPr>
-          <p:cNvPr id="7" name="Прямоугольник 6"/>
-          <p:cNvSpPr/>
-          <p:nvPr/>
-        </p:nvSpPr>
-        <p:spPr>
-          <a:xfrm>
-            <a:off x="7121661" y="4372235"/>
-            <a:ext cx="4895850" cy="1200329"/>
-          </a:xfrm>
-          <a:prstGeom prst="rect">
-            <a:avLst/>
-          </a:prstGeom>
-        </p:spPr>
-        <p:txBody>
-          <a:bodyPr wrap="square">
-            <a:spAutoFit/>
-          </a:bodyPr>
-          <a:lstStyle/>
-          <a:p>
-            <a:pPr lvl="0"/>
-            <a:r>
-              <a:rPr lang="ru-RU" dirty="0">
-                <a:solidFill>
-                  <a:srgbClr val="146194">
-                    <a:lumMod val="75000"/>
-                  </a:srgbClr>
-                </a:solidFill>
-              </a:rPr>
-              <a:t>Для включения</a:t>
-            </a:r>
-            <a:r>
-              <a:rPr lang="en-US" dirty="0">
-                <a:solidFill>
-                  <a:srgbClr val="146194">
-                    <a:lumMod val="75000"/>
-                  </a:srgbClr>
-                </a:solidFill>
-              </a:rPr>
-              <a:t>/</a:t>
-            </a:r>
-            <a:r>
-              <a:rPr lang="ru-RU" dirty="0">
-                <a:solidFill>
-                  <a:srgbClr val="146194">
-                    <a:lumMod val="75000"/>
-                  </a:srgbClr>
-                </a:solidFill>
-              </a:rPr>
-              <a:t>отключения </a:t>
-            </a:r>
-            <a:r>
-              <a:rPr lang="en-US" dirty="0">
-                <a:solidFill>
-                  <a:srgbClr val="146194">
-                    <a:lumMod val="75000"/>
-                  </a:srgbClr>
-                </a:solidFill>
-              </a:rPr>
-              <a:t>TCP-</a:t>
-            </a:r>
-            <a:r>
-              <a:rPr lang="ru-RU" dirty="0">
-                <a:solidFill>
-                  <a:srgbClr val="146194">
-                    <a:lumMod val="75000"/>
-                  </a:srgbClr>
-                </a:solidFill>
-              </a:rPr>
-              <a:t>Сервера</a:t>
-            </a:r>
-          </a:p>
-          <a:p>
-            <a:pPr lvl="0"/>
-            <a:r>
-              <a:rPr lang="ru-RU" dirty="0">
-                <a:solidFill>
-                  <a:srgbClr val="146194">
-                    <a:lumMod val="75000"/>
-                  </a:srgbClr>
-                </a:solidFill>
-              </a:rPr>
-              <a:t>Необходимо включить или выключить</a:t>
-            </a:r>
-          </a:p>
-          <a:p>
-            <a:pPr lvl="0"/>
-            <a:r>
-              <a:rPr lang="en-US" dirty="0">
-                <a:solidFill>
-                  <a:srgbClr val="146194">
-                    <a:lumMod val="75000"/>
-                  </a:srgbClr>
-                </a:solidFill>
-              </a:rPr>
-              <a:t>ToggleButton </a:t>
-            </a:r>
-            <a:r>
-              <a:rPr lang="ru-RU" dirty="0">
-                <a:solidFill>
-                  <a:srgbClr val="146194">
-                    <a:lumMod val="75000"/>
-                  </a:srgbClr>
-                </a:solidFill>
-              </a:rPr>
-              <a:t>на панели управления</a:t>
-            </a:r>
-          </a:p>
-          <a:p>
-            <a:pPr lvl="0"/>
-            <a:r>
-              <a:rPr lang="en-US" dirty="0">
-                <a:solidFill>
-                  <a:srgbClr val="146194">
-                    <a:lumMod val="75000"/>
-                  </a:srgbClr>
-                </a:solidFill>
-              </a:rPr>
-              <a:t>TCP-</a:t>
-            </a:r>
-            <a:r>
-              <a:rPr lang="ru-RU" dirty="0">
-                <a:solidFill>
-                  <a:srgbClr val="146194">
-                    <a:lumMod val="75000"/>
-                  </a:srgbClr>
-                </a:solidFill>
-              </a:rPr>
-              <a:t>Сервером.</a:t>
-            </a:r>
-            <a:endParaRPr lang="ru-RU" dirty="0">
-              <a:solidFill>
-                <a:srgbClr val="146194">
-                  <a:lumMod val="75000"/>
-                </a:srgbClr>
-              </a:solidFill>
-            </a:endParaRPr>
-          </a:p>
-        </p:txBody>
-      </p:sp>
       <p:pic>
         <p:nvPicPr>
-          <p:cNvPr id="8" name="Рисунок 7"/>
+          <p:cNvPr id="9" name="Рисунок 8"/>
           <p:cNvPicPr>
             <a:picLocks noChangeAspect="1"/>
           </p:cNvPicPr>
@@ -6204,8 +6135,8 @@
         </p:blipFill>
         <p:spPr>
           <a:xfrm>
-            <a:off x="7272542" y="1874343"/>
-            <a:ext cx="4243184" cy="2371504"/>
+            <a:off x="7249490" y="1672160"/>
+            <a:ext cx="4613045" cy="2590491"/>
           </a:xfrm>
           <a:prstGeom prst="rect">
             <a:avLst/>
@@ -6226,6 +6157,455 @@
 </file>
 
 <file path=ppt/slides/slide6.xml><?xml version="1.0" encoding="utf-8"?>
+<p:sld xmlns:a="http://schemas.openxmlformats.org/drawingml/2006/main" xmlns:r="http://schemas.openxmlformats.org/officeDocument/2006/relationships" xmlns:p="http://schemas.openxmlformats.org/presentationml/2006/main">
+  <p:cSld>
+    <p:spTree>
+      <p:nvGrpSpPr>
+        <p:cNvPr id="1" name=""/>
+        <p:cNvGrpSpPr/>
+        <p:nvPr/>
+      </p:nvGrpSpPr>
+      <p:grpSpPr>
+        <a:xfrm>
+          <a:off x="0" y="0"/>
+          <a:ext cx="0" cy="0"/>
+          <a:chOff x="0" y="0"/>
+          <a:chExt cx="0" cy="0"/>
+        </a:xfrm>
+      </p:grpSpPr>
+      <p:sp>
+        <p:nvSpPr>
+          <p:cNvPr id="2" name="Заголовок 1"/>
+          <p:cNvSpPr>
+            <a:spLocks noGrp="1"/>
+          </p:cNvSpPr>
+          <p:nvPr>
+            <p:ph type="title"/>
+          </p:nvPr>
+        </p:nvSpPr>
+        <p:spPr/>
+        <p:txBody>
+          <a:bodyPr/>
+          <a:lstStyle/>
+          <a:p>
+            <a:r>
+              <a:rPr lang="ru-RU" dirty="0" smtClean="0"/>
+              <a:t>Окно директора</a:t>
+            </a:r>
+            <a:endParaRPr lang="ru-RU" dirty="0"/>
+          </a:p>
+        </p:txBody>
+      </p:sp>
+      <p:pic>
+        <p:nvPicPr>
+          <p:cNvPr id="4" name="Объект 3"/>
+          <p:cNvPicPr>
+            <a:picLocks noGrp="1" noChangeAspect="1"/>
+          </p:cNvPicPr>
+          <p:nvPr>
+            <p:ph idx="1"/>
+          </p:nvPr>
+        </p:nvPicPr>
+        <p:blipFill>
+          <a:blip r:embed="rId2">
+            <a:extLst>
+              <a:ext uri="{28A0092B-C50C-407E-A947-70E740481C1C}">
+                <a14:useLocalDpi xmlns:a14="http://schemas.microsoft.com/office/drawing/2010/main" val="0"/>
+              </a:ext>
+            </a:extLst>
+          </a:blip>
+          <a:stretch>
+            <a:fillRect/>
+          </a:stretch>
+        </p:blipFill>
+        <p:spPr>
+          <a:xfrm>
+            <a:off x="756053" y="511233"/>
+            <a:ext cx="6462167" cy="3614738"/>
+          </a:xfrm>
+        </p:spPr>
+      </p:pic>
+      <p:sp>
+        <p:nvSpPr>
+          <p:cNvPr id="5" name="Прямоугольник 4"/>
+          <p:cNvSpPr/>
+          <p:nvPr/>
+        </p:nvSpPr>
+        <p:spPr>
+          <a:xfrm>
+            <a:off x="7502546" y="336665"/>
+            <a:ext cx="4349268" cy="1200329"/>
+          </a:xfrm>
+          <a:prstGeom prst="rect">
+            <a:avLst/>
+          </a:prstGeom>
+        </p:spPr>
+        <p:txBody>
+          <a:bodyPr wrap="none">
+            <a:spAutoFit/>
+          </a:bodyPr>
+          <a:lstStyle/>
+          <a:p>
+            <a:r>
+              <a:rPr lang="ru-RU" dirty="0" smtClean="0">
+                <a:solidFill>
+                  <a:schemeClr val="bg2">
+                    <a:lumMod val="75000"/>
+                  </a:schemeClr>
+                </a:solidFill>
+              </a:rPr>
+              <a:t>Нажав на нужный цех, директор</a:t>
+            </a:r>
+            <a:endParaRPr lang="ru-RU" dirty="0">
+              <a:solidFill>
+                <a:schemeClr val="bg2">
+                  <a:lumMod val="75000"/>
+                </a:schemeClr>
+              </a:solidFill>
+            </a:endParaRPr>
+          </a:p>
+          <a:p>
+            <a:r>
+              <a:rPr lang="ru-RU" dirty="0" smtClean="0">
+                <a:solidFill>
+                  <a:schemeClr val="bg2">
+                    <a:lumMod val="75000"/>
+                  </a:schemeClr>
+                </a:solidFill>
+              </a:rPr>
+              <a:t>Откроет окно, в котором сможет</a:t>
+            </a:r>
+          </a:p>
+          <a:p>
+            <a:r>
+              <a:rPr lang="ru-RU" dirty="0" smtClean="0">
+                <a:solidFill>
+                  <a:schemeClr val="bg2">
+                    <a:lumMod val="75000"/>
+                  </a:schemeClr>
+                </a:solidFill>
+              </a:rPr>
+              <a:t>Увидеть клетки, находящиеся в цеху</a:t>
+            </a:r>
+          </a:p>
+          <a:p>
+            <a:r>
+              <a:rPr lang="ru-RU" dirty="0" smtClean="0">
+                <a:solidFill>
+                  <a:schemeClr val="bg2">
+                    <a:lumMod val="75000"/>
+                  </a:schemeClr>
+                </a:solidFill>
+              </a:rPr>
+              <a:t>И информацию о работниках</a:t>
+            </a:r>
+          </a:p>
+        </p:txBody>
+      </p:sp>
+      <p:pic>
+        <p:nvPicPr>
+          <p:cNvPr id="6" name="Рисунок 5"/>
+          <p:cNvPicPr>
+            <a:picLocks noChangeAspect="1"/>
+          </p:cNvPicPr>
+          <p:nvPr/>
+        </p:nvPicPr>
+        <p:blipFill>
+          <a:blip r:embed="rId3">
+            <a:extLst>
+              <a:ext uri="{28A0092B-C50C-407E-A947-70E740481C1C}">
+                <a14:useLocalDpi xmlns:a14="http://schemas.microsoft.com/office/drawing/2010/main" val="0"/>
+              </a:ext>
+            </a:extLst>
+          </a:blip>
+          <a:stretch>
+            <a:fillRect/>
+          </a:stretch>
+        </p:blipFill>
+        <p:spPr>
+          <a:xfrm>
+            <a:off x="7331026" y="1585509"/>
+            <a:ext cx="4560996" cy="2540462"/>
+          </a:xfrm>
+          <a:prstGeom prst="rect">
+            <a:avLst/>
+          </a:prstGeom>
+        </p:spPr>
+      </p:pic>
+      <p:pic>
+        <p:nvPicPr>
+          <p:cNvPr id="7" name="Рисунок 6"/>
+          <p:cNvPicPr>
+            <a:picLocks noChangeAspect="1"/>
+          </p:cNvPicPr>
+          <p:nvPr/>
+        </p:nvPicPr>
+        <p:blipFill>
+          <a:blip r:embed="rId4">
+            <a:extLst>
+              <a:ext uri="{28A0092B-C50C-407E-A947-70E740481C1C}">
+                <a14:useLocalDpi xmlns:a14="http://schemas.microsoft.com/office/drawing/2010/main" val="0"/>
+              </a:ext>
+            </a:extLst>
+          </a:blip>
+          <a:stretch>
+            <a:fillRect/>
+          </a:stretch>
+        </p:blipFill>
+        <p:spPr>
+          <a:xfrm>
+            <a:off x="6545557" y="4174486"/>
+            <a:ext cx="4520788" cy="2531641"/>
+          </a:xfrm>
+          <a:prstGeom prst="rect">
+            <a:avLst/>
+          </a:prstGeom>
+        </p:spPr>
+      </p:pic>
+    </p:spTree>
+    <p:extLst>
+      <p:ext uri="{BB962C8B-B14F-4D97-AF65-F5344CB8AC3E}">
+        <p14:creationId xmlns:p14="http://schemas.microsoft.com/office/powerpoint/2010/main" val="3228453155"/>
+      </p:ext>
+    </p:extLst>
+  </p:cSld>
+  <p:clrMapOvr>
+    <a:masterClrMapping/>
+  </p:clrMapOvr>
+</p:sld>
+</file>
+
+<file path=ppt/slides/slide7.xml><?xml version="1.0" encoding="utf-8"?>
+<p:sld xmlns:a="http://schemas.openxmlformats.org/drawingml/2006/main" xmlns:r="http://schemas.openxmlformats.org/officeDocument/2006/relationships" xmlns:p="http://schemas.openxmlformats.org/presentationml/2006/main">
+  <p:cSld>
+    <p:spTree>
+      <p:nvGrpSpPr>
+        <p:cNvPr id="1" name=""/>
+        <p:cNvGrpSpPr/>
+        <p:nvPr/>
+      </p:nvGrpSpPr>
+      <p:grpSpPr>
+        <a:xfrm>
+          <a:off x="0" y="0"/>
+          <a:ext cx="0" cy="0"/>
+          <a:chOff x="0" y="0"/>
+          <a:chExt cx="0" cy="0"/>
+        </a:xfrm>
+      </p:grpSpPr>
+      <p:sp>
+        <p:nvSpPr>
+          <p:cNvPr id="2" name="Заголовок 1"/>
+          <p:cNvSpPr>
+            <a:spLocks noGrp="1"/>
+          </p:cNvSpPr>
+          <p:nvPr>
+            <p:ph type="title"/>
+          </p:nvPr>
+        </p:nvSpPr>
+        <p:spPr/>
+        <p:txBody>
+          <a:bodyPr/>
+          <a:lstStyle/>
+          <a:p>
+            <a:r>
+              <a:rPr lang="ru-RU" dirty="0" smtClean="0"/>
+              <a:t>Окно директора</a:t>
+            </a:r>
+            <a:endParaRPr lang="ru-RU" dirty="0"/>
+          </a:p>
+        </p:txBody>
+      </p:sp>
+      <p:pic>
+        <p:nvPicPr>
+          <p:cNvPr id="4" name="Объект 3"/>
+          <p:cNvPicPr>
+            <a:picLocks noGrp="1" noChangeAspect="1"/>
+          </p:cNvPicPr>
+          <p:nvPr>
+            <p:ph idx="1"/>
+          </p:nvPr>
+        </p:nvPicPr>
+        <p:blipFill>
+          <a:blip r:embed="rId2">
+            <a:extLst>
+              <a:ext uri="{28A0092B-C50C-407E-A947-70E740481C1C}">
+                <a14:useLocalDpi xmlns:a14="http://schemas.microsoft.com/office/drawing/2010/main" val="0"/>
+              </a:ext>
+            </a:extLst>
+          </a:blip>
+          <a:stretch>
+            <a:fillRect/>
+          </a:stretch>
+        </p:blipFill>
+        <p:spPr>
+          <a:xfrm>
+            <a:off x="844018" y="494606"/>
+            <a:ext cx="7341735" cy="4102331"/>
+          </a:xfrm>
+        </p:spPr>
+      </p:pic>
+      <p:sp>
+        <p:nvSpPr>
+          <p:cNvPr id="5" name="Прямоугольник 4"/>
+          <p:cNvSpPr/>
+          <p:nvPr/>
+        </p:nvSpPr>
+        <p:spPr>
+          <a:xfrm>
+            <a:off x="8345559" y="494606"/>
+            <a:ext cx="3619902" cy="2308324"/>
+          </a:xfrm>
+          <a:prstGeom prst="rect">
+            <a:avLst/>
+          </a:prstGeom>
+        </p:spPr>
+        <p:txBody>
+          <a:bodyPr wrap="none">
+            <a:spAutoFit/>
+          </a:bodyPr>
+          <a:lstStyle/>
+          <a:p>
+            <a:r>
+              <a:rPr lang="ru-RU" dirty="0" smtClean="0">
+                <a:solidFill>
+                  <a:schemeClr val="bg2">
+                    <a:lumMod val="75000"/>
+                  </a:schemeClr>
+                </a:solidFill>
+              </a:rPr>
+              <a:t>Кликнув на нужную клетку,</a:t>
+            </a:r>
+          </a:p>
+          <a:p>
+            <a:r>
+              <a:rPr lang="ru-RU" dirty="0" smtClean="0">
+                <a:solidFill>
+                  <a:schemeClr val="bg2">
+                    <a:lumMod val="75000"/>
+                  </a:schemeClr>
+                </a:solidFill>
+              </a:rPr>
+              <a:t>Директор попадает в окно</a:t>
+            </a:r>
+          </a:p>
+          <a:p>
+            <a:r>
+              <a:rPr lang="ru-RU" dirty="0" smtClean="0">
+                <a:solidFill>
+                  <a:schemeClr val="bg2">
+                    <a:lumMod val="75000"/>
+                  </a:schemeClr>
+                </a:solidFill>
+              </a:rPr>
+              <a:t>С информацией обо всех</a:t>
+            </a:r>
+          </a:p>
+          <a:p>
+            <a:r>
+              <a:rPr lang="ru-RU" dirty="0" smtClean="0">
+                <a:solidFill>
+                  <a:schemeClr val="bg2">
+                    <a:lumMod val="75000"/>
+                  </a:schemeClr>
+                </a:solidFill>
+              </a:rPr>
+              <a:t>Курах, находящихся в клетке,</a:t>
+            </a:r>
+          </a:p>
+          <a:p>
+            <a:r>
+              <a:rPr lang="ru-RU" dirty="0" smtClean="0">
+                <a:solidFill>
+                  <a:schemeClr val="bg2">
+                    <a:lumMod val="75000"/>
+                  </a:schemeClr>
+                </a:solidFill>
+              </a:rPr>
+              <a:t>А сделав даблклик по </a:t>
+            </a:r>
+          </a:p>
+          <a:p>
+            <a:r>
+              <a:rPr lang="ru-RU" dirty="0" smtClean="0">
+                <a:solidFill>
+                  <a:schemeClr val="bg2">
+                    <a:lumMod val="75000"/>
+                  </a:schemeClr>
+                </a:solidFill>
+              </a:rPr>
+              <a:t>Датагриду, директор сможет</a:t>
+            </a:r>
+          </a:p>
+          <a:p>
+            <a:r>
+              <a:rPr lang="ru-RU" dirty="0" smtClean="0">
+                <a:solidFill>
+                  <a:schemeClr val="bg2">
+                    <a:lumMod val="75000"/>
+                  </a:schemeClr>
+                </a:solidFill>
+              </a:rPr>
+              <a:t>Посмотреть, когда и сколько</a:t>
+            </a:r>
+          </a:p>
+          <a:p>
+            <a:r>
+              <a:rPr lang="ru-RU" dirty="0" smtClean="0">
+                <a:solidFill>
+                  <a:schemeClr val="bg2">
+                    <a:lumMod val="75000"/>
+                  </a:schemeClr>
+                </a:solidFill>
+              </a:rPr>
+              <a:t>Яиц снесла курица.</a:t>
+            </a:r>
+          </a:p>
+        </p:txBody>
+      </p:sp>
+      <p:pic>
+        <p:nvPicPr>
+          <p:cNvPr id="6" name="Рисунок 5"/>
+          <p:cNvPicPr>
+            <a:picLocks noChangeAspect="1"/>
+          </p:cNvPicPr>
+          <p:nvPr/>
+        </p:nvPicPr>
+        <p:blipFill>
+          <a:blip r:embed="rId3">
+            <a:extLst>
+              <a:ext uri="{28A0092B-C50C-407E-A947-70E740481C1C}">
+                <a14:useLocalDpi xmlns:a14="http://schemas.microsoft.com/office/drawing/2010/main" val="0"/>
+              </a:ext>
+            </a:extLst>
+          </a:blip>
+          <a:stretch>
+            <a:fillRect/>
+          </a:stretch>
+        </p:blipFill>
+        <p:spPr>
+          <a:xfrm>
+            <a:off x="5900298" y="2870177"/>
+            <a:ext cx="5839875" cy="3247990"/>
+          </a:xfrm>
+          <a:prstGeom prst="rect">
+            <a:avLst/>
+          </a:prstGeom>
+        </p:spPr>
+      </p:pic>
+    </p:spTree>
+    <p:extLst>
+      <p:ext uri="{BB962C8B-B14F-4D97-AF65-F5344CB8AC3E}">
+        <p14:creationId xmlns:p14="http://schemas.microsoft.com/office/powerpoint/2010/main" val="3343384622"/>
+      </p:ext>
+    </p:extLst>
+  </p:cSld>
+  <p:clrMapOvr>
+    <a:masterClrMapping/>
+  </p:clrMapOvr>
+</p:sld>
+</file>
+
+<file path=ppt/slides/slide8.xml><?xml version="1.0" encoding="utf-8"?>
 <p:sld xmlns:a="http://schemas.openxmlformats.org/drawingml/2006/main" xmlns:r="http://schemas.openxmlformats.org/officeDocument/2006/relationships" xmlns:p="http://schemas.openxmlformats.org/presentationml/2006/main">
   <p:cSld>
     <p:spTree>
@@ -6346,7 +6726,7 @@
 </p:sld>
 </file>
 
-<file path=ppt/slides/slide7.xml><?xml version="1.0" encoding="utf-8"?>
+<file path=ppt/slides/slide9.xml><?xml version="1.0" encoding="utf-8"?>
 <p:sld xmlns:a="http://schemas.openxmlformats.org/drawingml/2006/main" xmlns:r="http://schemas.openxmlformats.org/officeDocument/2006/relationships" xmlns:p="http://schemas.openxmlformats.org/presentationml/2006/main">
   <p:cSld>
     <p:spTree>
@@ -6403,7 +6783,7 @@
         </p:nvSpPr>
         <p:spPr>
           <a:xfrm>
-            <a:off x="684212" y="685800"/>
+            <a:off x="1585350" y="552796"/>
             <a:ext cx="8534400" cy="2352675"/>
           </a:xfrm>
         </p:spPr>
@@ -6414,70 +6794,70 @@
           <a:lstStyle/>
           <a:p>
             <a:r>
-              <a:rPr lang="ru-RU" dirty="0" smtClean="0"/>
+              <a:rPr lang="ru-RU" strike="sngStrike" dirty="0" smtClean="0"/>
               <a:t>Для более гибкой обработки команд, которые клиент отдаёт серверу, используется специальный </a:t>
             </a:r>
             <a:r>
-              <a:rPr lang="en-US" dirty="0" smtClean="0"/>
+              <a:rPr lang="en-US" strike="sngStrike" dirty="0" smtClean="0"/>
               <a:t>Dictionary, </a:t>
             </a:r>
             <a:r>
-              <a:rPr lang="ru-RU" dirty="0" smtClean="0"/>
+              <a:rPr lang="ru-RU" strike="sngStrike" dirty="0" smtClean="0"/>
               <a:t>в качестве ключа которого используется </a:t>
             </a:r>
             <a:r>
-              <a:rPr lang="en-US" dirty="0" smtClean="0"/>
+              <a:rPr lang="en-US" strike="sngStrike" dirty="0" smtClean="0"/>
               <a:t>string, </a:t>
             </a:r>
             <a:r>
-              <a:rPr lang="ru-RU" dirty="0" smtClean="0"/>
+              <a:rPr lang="ru-RU" strike="sngStrike" dirty="0" smtClean="0"/>
               <a:t>в который ложится команда</a:t>
             </a:r>
             <a:r>
-              <a:rPr lang="en-US" dirty="0" smtClean="0"/>
+              <a:rPr lang="en-US" strike="sngStrike" dirty="0" smtClean="0"/>
               <a:t>, </a:t>
             </a:r>
             <a:r>
-              <a:rPr lang="ru-RU" dirty="0" smtClean="0"/>
+              <a:rPr lang="ru-RU" strike="sngStrike" dirty="0" smtClean="0"/>
               <a:t>а в значении лежит мною написанный делегат </a:t>
             </a:r>
             <a:r>
-              <a:rPr lang="en-US" dirty="0" smtClean="0"/>
+              <a:rPr lang="en-US" strike="sngStrike" dirty="0" smtClean="0"/>
               <a:t>ServerCommand, </a:t>
             </a:r>
             <a:r>
-              <a:rPr lang="ru-RU" dirty="0" smtClean="0"/>
+              <a:rPr lang="ru-RU" strike="sngStrike" dirty="0" smtClean="0"/>
               <a:t>который принимает и возвращает строку.</a:t>
             </a:r>
             <a:r>
-              <a:rPr lang="ru-RU" dirty="0"/>
+              <a:rPr lang="ru-RU" strike="sngStrike" dirty="0"/>
               <a:t> </a:t>
             </a:r>
             <a:r>
-              <a:rPr lang="ru-RU" dirty="0" smtClean="0"/>
+              <a:rPr lang="ru-RU" strike="sngStrike" dirty="0" smtClean="0"/>
               <a:t>Это значительно гибче, чем </a:t>
             </a:r>
             <a:r>
-              <a:rPr lang="en-US" dirty="0" smtClean="0"/>
+              <a:rPr lang="en-US" strike="sngStrike" dirty="0" smtClean="0"/>
               <a:t>switch </a:t>
             </a:r>
             <a:r>
-              <a:rPr lang="ru-RU" dirty="0" smtClean="0"/>
+              <a:rPr lang="ru-RU" strike="sngStrike" dirty="0" smtClean="0"/>
               <a:t>и прячет под собой много кода. Вот как выглядит</a:t>
             </a:r>
             <a:r>
-              <a:rPr lang="en-US" dirty="0" smtClean="0"/>
+              <a:rPr lang="en-US" strike="sngStrike" dirty="0" smtClean="0"/>
               <a:t> </a:t>
             </a:r>
             <a:r>
-              <a:rPr lang="ru-RU" dirty="0" smtClean="0"/>
+              <a:rPr lang="ru-RU" strike="sngStrike" dirty="0" smtClean="0"/>
               <a:t>значительная часть обработки команды сервером</a:t>
             </a:r>
             <a:r>
-              <a:rPr lang="en-US" dirty="0" smtClean="0"/>
+              <a:rPr lang="en-US" strike="sngStrike" dirty="0" smtClean="0"/>
               <a:t>:</a:t>
             </a:r>
-            <a:endParaRPr lang="ru-RU" dirty="0" smtClean="0"/>
+            <a:endParaRPr lang="ru-RU" strike="sngStrike" dirty="0" smtClean="0"/>
           </a:p>
         </p:txBody>
       </p:sp>
@@ -6503,7 +6883,7 @@
         </p:blipFill>
         <p:spPr>
           <a:xfrm>
-            <a:off x="2533254" y="2705082"/>
+            <a:off x="3434392" y="2572078"/>
             <a:ext cx="5677692" cy="247685"/>
           </a:xfrm>
           <a:prstGeom prst="rect">
@@ -6511,68 +6891,65 @@
           </a:prstGeom>
         </p:spPr>
       </p:pic>
+      <p:sp>
+        <p:nvSpPr>
+          <p:cNvPr id="5" name="Прямоугольник 4"/>
+          <p:cNvSpPr/>
+          <p:nvPr/>
+        </p:nvSpPr>
+        <p:spPr>
+          <a:xfrm>
+            <a:off x="2549627" y="3352400"/>
+            <a:ext cx="6781023" cy="830997"/>
+          </a:xfrm>
+          <a:prstGeom prst="rect">
+            <a:avLst/>
+          </a:prstGeom>
+        </p:spPr>
+        <p:txBody>
+          <a:bodyPr wrap="none">
+            <a:spAutoFit/>
+          </a:bodyPr>
+          <a:lstStyle/>
+          <a:p>
+            <a:pPr algn="ctr"/>
+            <a:r>
+              <a:rPr lang="ru-RU" sz="2400" b="1" dirty="0" smtClean="0">
+                <a:solidFill>
+                  <a:schemeClr val="bg2">
+                    <a:lumMod val="75000"/>
+                  </a:schemeClr>
+                </a:solidFill>
+              </a:rPr>
+              <a:t>Теперь данная конструкция используется</a:t>
+            </a:r>
+          </a:p>
+          <a:p>
+            <a:pPr algn="ctr"/>
+            <a:r>
+              <a:rPr lang="ru-RU" sz="2400" b="1" dirty="0" smtClean="0">
+                <a:solidFill>
+                  <a:schemeClr val="bg2">
+                    <a:lumMod val="75000"/>
+                  </a:schemeClr>
+                </a:solidFill>
+              </a:rPr>
+              <a:t> для авторизации пользователей</a:t>
+            </a:r>
+            <a:endParaRPr lang="ru-RU" sz="2400" b="1" dirty="0">
+              <a:solidFill>
+                <a:schemeClr val="bg2">
+                  <a:lumMod val="75000"/>
+                </a:schemeClr>
+              </a:solidFill>
+            </a:endParaRPr>
+          </a:p>
+        </p:txBody>
+      </p:sp>
     </p:spTree>
     <p:extLst>
       <p:ext uri="{BB962C8B-B14F-4D97-AF65-F5344CB8AC3E}">
         <p14:creationId xmlns:p14="http://schemas.microsoft.com/office/powerpoint/2010/main" val="2826634566"/>
-      </p:ext>
-    </p:extLst>
-  </p:cSld>
-  <p:clrMapOvr>
-    <a:masterClrMapping/>
-  </p:clrMapOvr>
-</p:sld>
-</file>
-
-<file path=ppt/slides/slide8.xml><?xml version="1.0" encoding="utf-8"?>
-<p:sld xmlns:a="http://schemas.openxmlformats.org/drawingml/2006/main" xmlns:r="http://schemas.openxmlformats.org/officeDocument/2006/relationships" xmlns:p="http://schemas.openxmlformats.org/presentationml/2006/main">
-  <p:cSld>
-    <p:spTree>
-      <p:nvGrpSpPr>
-        <p:cNvPr id="1" name=""/>
-        <p:cNvGrpSpPr/>
-        <p:nvPr/>
-      </p:nvGrpSpPr>
-      <p:grpSpPr>
-        <a:xfrm>
-          <a:off x="0" y="0"/>
-          <a:ext cx="0" cy="0"/>
-          <a:chOff x="0" y="0"/>
-          <a:chExt cx="0" cy="0"/>
-        </a:xfrm>
-      </p:grpSpPr>
-      <p:sp>
-        <p:nvSpPr>
-          <p:cNvPr id="2" name="Заголовок 1"/>
-          <p:cNvSpPr>
-            <a:spLocks noGrp="1"/>
-          </p:cNvSpPr>
-          <p:nvPr>
-            <p:ph type="title"/>
-          </p:nvPr>
-        </p:nvSpPr>
-        <p:spPr>
-          <a:xfrm>
-            <a:off x="2693987" y="2629957"/>
-            <a:ext cx="8534400" cy="1507067"/>
-          </a:xfrm>
-        </p:spPr>
-        <p:txBody>
-          <a:bodyPr/>
-          <a:lstStyle/>
-          <a:p>
-            <a:r>
-              <a:rPr lang="ru-RU" dirty="0" smtClean="0"/>
-              <a:t>Спасибо за внимание!</a:t>
-            </a:r>
-            <a:endParaRPr lang="ru-RU" dirty="0"/>
-          </a:p>
-        </p:txBody>
-      </p:sp>
-    </p:spTree>
-    <p:extLst>
-      <p:ext uri="{BB962C8B-B14F-4D97-AF65-F5344CB8AC3E}">
-        <p14:creationId xmlns:p14="http://schemas.microsoft.com/office/powerpoint/2010/main" val="2084163593"/>
       </p:ext>
     </p:extLst>
   </p:cSld>
